--- a/pslides/vcts_lists.pptx
+++ b/pslides/vcts_lists.pptx
@@ -267,7 +267,7 @@
           <a:p>
             <a:fld id="{7B9169B0-A344-9A43-AAD5-682508993835}" type="datetimeFigureOut">
               <a:rPr lang="fr-FR" smtClean="0"/>
-              <a:t>27/09/2021</a:t>
+              <a:t>28/09/2021</a:t>
             </a:fld>
             <a:endParaRPr lang="fr-FR"/>
           </a:p>
@@ -465,7 +465,7 @@
           <a:p>
             <a:fld id="{7B9169B0-A344-9A43-AAD5-682508993835}" type="datetimeFigureOut">
               <a:rPr lang="fr-FR" smtClean="0"/>
-              <a:t>27/09/2021</a:t>
+              <a:t>28/09/2021</a:t>
             </a:fld>
             <a:endParaRPr lang="fr-FR"/>
           </a:p>
@@ -673,7 +673,7 @@
           <a:p>
             <a:fld id="{7B9169B0-A344-9A43-AAD5-682508993835}" type="datetimeFigureOut">
               <a:rPr lang="fr-FR" smtClean="0"/>
-              <a:t>27/09/2021</a:t>
+              <a:t>28/09/2021</a:t>
             </a:fld>
             <a:endParaRPr lang="fr-FR"/>
           </a:p>
@@ -871,7 +871,7 @@
           <a:p>
             <a:fld id="{7B9169B0-A344-9A43-AAD5-682508993835}" type="datetimeFigureOut">
               <a:rPr lang="fr-FR" smtClean="0"/>
-              <a:t>27/09/2021</a:t>
+              <a:t>28/09/2021</a:t>
             </a:fld>
             <a:endParaRPr lang="fr-FR"/>
           </a:p>
@@ -1146,7 +1146,7 @@
           <a:p>
             <a:fld id="{7B9169B0-A344-9A43-AAD5-682508993835}" type="datetimeFigureOut">
               <a:rPr lang="fr-FR" smtClean="0"/>
-              <a:t>27/09/2021</a:t>
+              <a:t>28/09/2021</a:t>
             </a:fld>
             <a:endParaRPr lang="fr-FR"/>
           </a:p>
@@ -1411,7 +1411,7 @@
           <a:p>
             <a:fld id="{7B9169B0-A344-9A43-AAD5-682508993835}" type="datetimeFigureOut">
               <a:rPr lang="fr-FR" smtClean="0"/>
-              <a:t>27/09/2021</a:t>
+              <a:t>28/09/2021</a:t>
             </a:fld>
             <a:endParaRPr lang="fr-FR"/>
           </a:p>
@@ -1823,7 +1823,7 @@
           <a:p>
             <a:fld id="{7B9169B0-A344-9A43-AAD5-682508993835}" type="datetimeFigureOut">
               <a:rPr lang="fr-FR" smtClean="0"/>
-              <a:t>27/09/2021</a:t>
+              <a:t>28/09/2021</a:t>
             </a:fld>
             <a:endParaRPr lang="fr-FR"/>
           </a:p>
@@ -1964,7 +1964,7 @@
           <a:p>
             <a:fld id="{7B9169B0-A344-9A43-AAD5-682508993835}" type="datetimeFigureOut">
               <a:rPr lang="fr-FR" smtClean="0"/>
-              <a:t>27/09/2021</a:t>
+              <a:t>28/09/2021</a:t>
             </a:fld>
             <a:endParaRPr lang="fr-FR"/>
           </a:p>
@@ -2077,7 +2077,7 @@
           <a:p>
             <a:fld id="{7B9169B0-A344-9A43-AAD5-682508993835}" type="datetimeFigureOut">
               <a:rPr lang="fr-FR" smtClean="0"/>
-              <a:t>27/09/2021</a:t>
+              <a:t>28/09/2021</a:t>
             </a:fld>
             <a:endParaRPr lang="fr-FR"/>
           </a:p>
@@ -2388,7 +2388,7 @@
           <a:p>
             <a:fld id="{7B9169B0-A344-9A43-AAD5-682508993835}" type="datetimeFigureOut">
               <a:rPr lang="fr-FR" smtClean="0"/>
-              <a:t>27/09/2021</a:t>
+              <a:t>28/09/2021</a:t>
             </a:fld>
             <a:endParaRPr lang="fr-FR"/>
           </a:p>
@@ -2676,7 +2676,7 @@
           <a:p>
             <a:fld id="{7B9169B0-A344-9A43-AAD5-682508993835}" type="datetimeFigureOut">
               <a:rPr lang="fr-FR" smtClean="0"/>
-              <a:t>27/09/2021</a:t>
+              <a:t>28/09/2021</a:t>
             </a:fld>
             <a:endParaRPr lang="fr-FR"/>
           </a:p>
@@ -2917,7 +2917,7 @@
           <a:p>
             <a:fld id="{7B9169B0-A344-9A43-AAD5-682508993835}" type="datetimeFigureOut">
               <a:rPr lang="fr-FR" smtClean="0"/>
-              <a:t>27/09/2021</a:t>
+              <a:t>28/09/2021</a:t>
             </a:fld>
             <a:endParaRPr lang="fr-FR"/>
           </a:p>
@@ -3488,7 +3488,7 @@
           <a:p>
             <a:r>
               <a:rPr lang="fr-FR" sz="2400" noProof="1"/>
-              <a:t>There are two basic object types in R to ordered data:</a:t>
+              <a:t>There are two basic object types in R for storing ordered data:</a:t>
             </a:r>
           </a:p>
           <a:p>
@@ -3502,7 +3502,7 @@
             </a:r>
             <a:r>
               <a:rPr lang="fr-FR" sz="2400" noProof="1"/>
-              <a:t> are fairly strict, with all elements being of the same type (i.e., integers or characters). We have created these using the c() function and they are used internally to store the columns of a tibble.</a:t>
+              <a:t> are fairly strict, with all elements being of the same type (i.e., integers or characters). We have created these using the c() function. They are used internally to store the columns of a tibble.</a:t>
             </a:r>
           </a:p>
           <a:p>
@@ -3525,7 +3525,7 @@
           <a:p>
             <a:r>
               <a:rPr lang="fr-FR" sz="2400" noProof="1"/>
-              <a:t>As we have seen, vectors are usually fairly nice and can be put directly into a data table. Lists require some more work. </a:t>
+              <a:t>As we have seen, vectors are usually fairly nice and can be put directly into a data table. Lists require more work. </a:t>
             </a:r>
           </a:p>
         </p:txBody>
@@ -4320,7 +4320,7 @@
           <a:p>
             <a:r>
               <a:rPr lang="fr-FR" noProof="1"/>
-              <a:t>The elements of an R list can, optionally, contain names, here is the same list with names:</a:t>
+              <a:t>The elements of an R list can, optionally, contain names. Here is the same list with names:</a:t>
             </a:r>
           </a:p>
           <a:p>
@@ -4666,8 +4666,8 @@
         </p:nvSpPr>
         <p:spPr>
           <a:xfrm>
-            <a:off x="1065754" y="1181730"/>
-            <a:ext cx="9690528" cy="5632311"/>
+            <a:off x="816429" y="1058111"/>
+            <a:ext cx="10657113" cy="5632311"/>
           </a:xfrm>
           <a:prstGeom prst="rect">
             <a:avLst/>
@@ -4682,7 +4682,7 @@
           <a:p>
             <a:r>
               <a:rPr lang="fr-FR" sz="2400" noProof="1"/>
-              <a:t>There are two ways to get a single list element, either by using the position of the element or the name (when it exists).</a:t>
+              <a:t>There are two ways to get a single list element: (1) by using the position of the element or (2) using the name, when it exists.</a:t>
             </a:r>
           </a:p>
           <a:p>
@@ -4691,11 +4691,11 @@
           <a:p>
             <a:r>
               <a:rPr lang="fr-FR" sz="2400" noProof="1"/>
-              <a:t>To get a particular element by number, use double square brackets along with the element number (Note: R starts with element 1, not zero):</a:t>
-            </a:r>
-          </a:p>
-          <a:p>
-            <a:endParaRPr lang="fr-FR" sz="2400" noProof="1"/>
+              <a:t>To get a particular element by number, use double square brackets along with the element number (Note: R starts with element 1, not zero). Here, we get the second element of the example list:</a:t>
+            </a:r>
+          </a:p>
+          <a:p>
+            <a:endParaRPr lang="fr-FR" sz="1200" noProof="1"/>
           </a:p>
           <a:p>
             <a:r>
@@ -4731,7 +4731,7 @@
             </a:r>
           </a:p>
           <a:p>
-            <a:endParaRPr lang="fr-FR" sz="2400" noProof="1"/>
+            <a:endParaRPr lang="fr-FR" sz="1200" noProof="1"/>
           </a:p>
           <a:p>
             <a:r>
@@ -5534,8 +5534,18 @@
               <a:t>Often we will want to define a custom function to apply to each element of a list. To do this, we can create an anonomous function using the tilda operator ~ (you’ll need to find it on your keyboard). You define what to do to each list by writing code relative to a variable that is named </a:t>
             </a:r>
             <a:r>
+              <a:rPr lang="fr-FR" sz="2000" b="1" noProof="1">
+                <a:solidFill>
+                  <a:schemeClr val="accent2">
+                    <a:lumMod val="75000"/>
+                  </a:schemeClr>
+                </a:solidFill>
+              </a:rPr>
+              <a:t>.x</a:t>
+            </a:r>
+            <a:r>
               <a:rPr lang="fr-FR" sz="2000" b="1" noProof="1"/>
-              <a:t>..1 </a:t>
+              <a:t> </a:t>
             </a:r>
             <a:r>
               <a:rPr lang="fr-FR" sz="2000" noProof="1"/>
@@ -5563,7 +5573,7 @@
                   </a:schemeClr>
                 </a:solidFill>
               </a:rPr>
-              <a:t>	&gt; map_dbl(example, ~  ..1[3])</a:t>
+              <a:t>	&gt; map_dbl(example, ~  .x[3])</a:t>
             </a:r>
           </a:p>
           <a:p>
@@ -5728,7 +5738,7 @@
                   </a:schemeClr>
                 </a:solidFill>
               </a:rPr>
-              <a:t>..1</a:t>
+              <a:t>.x</a:t>
             </a:r>
             <a:r>
               <a:rPr lang="fr-FR" sz="2000" noProof="1"/>
